--- a/Français/4. Analysing data/1.Drillthrough.pptx
+++ b/Français/4. Analysing data/1.Drillthrough.pptx
@@ -207,7 +207,7 @@
           <a:p>
             <a:fld id="{056BA3B8-9F76-4D81-B71D-76CB85363062}" type="datetimeFigureOut">
               <a:rPr lang="en-US" smtClean="0"/>
-              <a:t>2/26/2025</a:t>
+              <a:t>3/5/2025</a:t>
             </a:fld>
             <a:endParaRPr lang="en-US"/>
           </a:p>
@@ -1362,7 +1362,7 @@
           <a:p>
             <a:fld id="{6F01DA4D-20EA-48D2-973C-0311EC3005D6}" type="datetimeFigureOut">
               <a:rPr lang="en-US" smtClean="0"/>
-              <a:t>2/26/2025</a:t>
+              <a:t>3/5/2025</a:t>
             </a:fld>
             <a:endParaRPr lang="en-US"/>
           </a:p>
@@ -1532,7 +1532,7 @@
           <a:p>
             <a:fld id="{6F01DA4D-20EA-48D2-973C-0311EC3005D6}" type="datetimeFigureOut">
               <a:rPr lang="en-US" smtClean="0"/>
-              <a:t>2/26/2025</a:t>
+              <a:t>3/5/2025</a:t>
             </a:fld>
             <a:endParaRPr lang="en-US"/>
           </a:p>
@@ -1712,7 +1712,7 @@
           <a:p>
             <a:fld id="{6F01DA4D-20EA-48D2-973C-0311EC3005D6}" type="datetimeFigureOut">
               <a:rPr lang="en-US" smtClean="0"/>
-              <a:t>2/26/2025</a:t>
+              <a:t>3/5/2025</a:t>
             </a:fld>
             <a:endParaRPr lang="en-US"/>
           </a:p>
@@ -1882,7 +1882,7 @@
           <a:p>
             <a:fld id="{6F01DA4D-20EA-48D2-973C-0311EC3005D6}" type="datetimeFigureOut">
               <a:rPr lang="en-US" smtClean="0"/>
-              <a:t>2/26/2025</a:t>
+              <a:t>3/5/2025</a:t>
             </a:fld>
             <a:endParaRPr lang="en-US"/>
           </a:p>
@@ -2128,7 +2128,7 @@
           <a:p>
             <a:fld id="{6F01DA4D-20EA-48D2-973C-0311EC3005D6}" type="datetimeFigureOut">
               <a:rPr lang="en-US" smtClean="0"/>
-              <a:t>2/26/2025</a:t>
+              <a:t>3/5/2025</a:t>
             </a:fld>
             <a:endParaRPr lang="en-US"/>
           </a:p>
@@ -2360,7 +2360,7 @@
           <a:p>
             <a:fld id="{6F01DA4D-20EA-48D2-973C-0311EC3005D6}" type="datetimeFigureOut">
               <a:rPr lang="en-US" smtClean="0"/>
-              <a:t>2/26/2025</a:t>
+              <a:t>3/5/2025</a:t>
             </a:fld>
             <a:endParaRPr lang="en-US"/>
           </a:p>
@@ -2727,7 +2727,7 @@
           <a:p>
             <a:fld id="{6F01DA4D-20EA-48D2-973C-0311EC3005D6}" type="datetimeFigureOut">
               <a:rPr lang="en-US" smtClean="0"/>
-              <a:t>2/26/2025</a:t>
+              <a:t>3/5/2025</a:t>
             </a:fld>
             <a:endParaRPr lang="en-US"/>
           </a:p>
@@ -2845,7 +2845,7 @@
           <a:p>
             <a:fld id="{6F01DA4D-20EA-48D2-973C-0311EC3005D6}" type="datetimeFigureOut">
               <a:rPr lang="en-US" smtClean="0"/>
-              <a:t>2/26/2025</a:t>
+              <a:t>3/5/2025</a:t>
             </a:fld>
             <a:endParaRPr lang="en-US"/>
           </a:p>
@@ -2940,7 +2940,7 @@
           <a:p>
             <a:fld id="{6F01DA4D-20EA-48D2-973C-0311EC3005D6}" type="datetimeFigureOut">
               <a:rPr lang="en-US" smtClean="0"/>
-              <a:t>2/26/2025</a:t>
+              <a:t>3/5/2025</a:t>
             </a:fld>
             <a:endParaRPr lang="en-US"/>
           </a:p>
@@ -3217,7 +3217,7 @@
           <a:p>
             <a:fld id="{6F01DA4D-20EA-48D2-973C-0311EC3005D6}" type="datetimeFigureOut">
               <a:rPr lang="en-US" smtClean="0"/>
-              <a:t>2/26/2025</a:t>
+              <a:t>3/5/2025</a:t>
             </a:fld>
             <a:endParaRPr lang="en-US"/>
           </a:p>
@@ -3470,7 +3470,7 @@
           <a:p>
             <a:fld id="{6F01DA4D-20EA-48D2-973C-0311EC3005D6}" type="datetimeFigureOut">
               <a:rPr lang="en-US" smtClean="0"/>
-              <a:t>2/26/2025</a:t>
+              <a:t>3/5/2025</a:t>
             </a:fld>
             <a:endParaRPr lang="en-US"/>
           </a:p>
@@ -3683,7 +3683,7 @@
           <a:p>
             <a:fld id="{6F01DA4D-20EA-48D2-973C-0311EC3005D6}" type="datetimeFigureOut">
               <a:rPr lang="en-US" smtClean="0"/>
-              <a:t>2/26/2025</a:t>
+              <a:t>3/5/2025</a:t>
             </a:fld>
             <a:endParaRPr lang="en-US"/>
           </a:p>
@@ -4259,7 +4259,7 @@
         <p:spPr>
           <a:xfrm>
             <a:off x="378135" y="958965"/>
-            <a:ext cx="5431359" cy="373692"/>
+            <a:ext cx="5431359" cy="388696"/>
           </a:xfrm>
           <a:prstGeom prst="rect">
             <a:avLst/>
@@ -4288,20 +4288,12 @@
               <a:t>Cliquez le manu </a:t>
             </a:r>
             <a:r>
-              <a:rPr lang="fr-FR" b="1" dirty="0" err="1" smtClean="0">
-                <a:latin typeface="Segoe UI" panose="020B0502040204020203" pitchFamily="34" charset="0"/>
-                <a:ea typeface="Calibri" panose="020F0502020204030204" pitchFamily="34" charset="0"/>
-                <a:cs typeface="Times New Roman" panose="02020603050405020304" pitchFamily="18" charset="0"/>
-              </a:rPr>
-              <a:t>Details</a:t>
-            </a:r>
-            <a:r>
               <a:rPr lang="fr-FR" b="1" dirty="0" smtClean="0">
                 <a:latin typeface="Segoe UI" panose="020B0502040204020203" pitchFamily="34" charset="0"/>
                 <a:ea typeface="Calibri" panose="020F0502020204030204" pitchFamily="34" charset="0"/>
                 <a:cs typeface="Times New Roman" panose="02020603050405020304" pitchFamily="18" charset="0"/>
               </a:rPr>
-              <a:t> </a:t>
+              <a:t>Détails </a:t>
             </a:r>
             <a:r>
               <a:rPr lang="fr-FR" dirty="0" smtClean="0">
@@ -4405,8 +4397,8 @@
         </p:nvSpPr>
         <p:spPr>
           <a:xfrm>
-            <a:off x="2916199" y="2162433"/>
-            <a:ext cx="6230360" cy="1569660"/>
+            <a:off x="4201859" y="2471817"/>
+            <a:ext cx="3456395" cy="1569660"/>
           </a:xfrm>
           <a:prstGeom prst="rect">
             <a:avLst/>
@@ -4428,7 +4420,7 @@
                 <a:ea typeface="Verdana" panose="020B0604030504040204" pitchFamily="34" charset="0"/>
                 <a:cs typeface="Segoe UI" panose="020B0502040204020203" pitchFamily="34" charset="0"/>
               </a:rPr>
-              <a:t>Thank you</a:t>
+              <a:t>Merci</a:t>
             </a:r>
             <a:endParaRPr lang="en-US" sz="9600" b="1" dirty="0">
               <a:solidFill>
@@ -4449,8 +4441,8 @@
         </p:nvSpPr>
         <p:spPr>
           <a:xfrm>
-            <a:off x="2990336" y="2217861"/>
-            <a:ext cx="6230360" cy="1569660"/>
+            <a:off x="4139982" y="2375991"/>
+            <a:ext cx="3456395" cy="1569660"/>
           </a:xfrm>
           <a:prstGeom prst="rect">
             <a:avLst/>
@@ -4472,7 +4464,7 @@
                 <a:ea typeface="Verdana" panose="020B0604030504040204" pitchFamily="34" charset="0"/>
                 <a:cs typeface="Segoe UI" panose="020B0502040204020203" pitchFamily="34" charset="0"/>
               </a:rPr>
-              <a:t>Thank you</a:t>
+              <a:t>Merci</a:t>
             </a:r>
             <a:endParaRPr lang="en-US" sz="9600" b="1" dirty="0">
               <a:solidFill>
@@ -4599,7 +4591,7 @@
         <p:spPr bwMode="auto">
           <a:xfrm>
             <a:off x="516848" y="927352"/>
-            <a:ext cx="7935186" cy="707886"/>
+            <a:ext cx="11005967" cy="707886"/>
           </a:xfrm>
           <a:prstGeom prst="rect">
             <a:avLst/>
@@ -4639,7 +4631,7 @@
           </a:extLst>
         </p:spPr>
         <p:txBody>
-          <a:bodyPr vert="horz" wrap="none" lIns="91440" tIns="45720" rIns="91440" bIns="45720" numCol="1" anchor="ctr" anchorCtr="0" compatLnSpc="1">
+          <a:bodyPr vert="horz" wrap="square" lIns="91440" tIns="45720" rIns="91440" bIns="45720" numCol="1" anchor="ctr" anchorCtr="0" compatLnSpc="1">
             <a:prstTxWarp prst="textNoShape">
               <a:avLst/>
             </a:prstTxWarp>
@@ -4647,21 +4639,13 @@
           </a:bodyPr>
           <a:lstStyle/>
           <a:p>
-            <a:pPr marL="0" marR="0" lvl="0" indent="0" algn="l" defTabSz="914400" rtl="0" eaLnBrk="0" fontAlgn="base" latinLnBrk="0" hangingPunct="0">
-              <a:lnSpc>
-                <a:spcPct val="100000"/>
-              </a:lnSpc>
+            <a:pPr lvl="0" eaLnBrk="0" fontAlgn="base" hangingPunct="0">
               <a:spcBef>
                 <a:spcPct val="0"/>
               </a:spcBef>
               <a:spcAft>
                 <a:spcPct val="0"/>
               </a:spcAft>
-              <a:buClrTx/>
-              <a:buSzTx/>
-              <a:buFontTx/>
-              <a:buNone/>
-              <a:tabLst/>
             </a:pPr>
             <a:r>
               <a:rPr kumimoji="0" lang="fr-FR" altLang="en-US" sz="2000" b="1" i="0" u="none" strike="noStrike" cap="none" normalizeH="0" baseline="0" dirty="0" smtClean="0">
@@ -4687,7 +4671,46 @@
                 <a:effectLst/>
                 <a:latin typeface="Arial" panose="020B0604020202020204" pitchFamily="34" charset="0"/>
               </a:rPr>
-              <a:t>Ce laboratoire utilise le fichier </a:t>
+              <a:t>Cet</a:t>
+            </a:r>
+            <a:r>
+              <a:rPr kumimoji="0" lang="fr-FR" altLang="en-US" sz="2000" b="0" i="0" u="none" strike="noStrike" cap="none" normalizeH="0" dirty="0" smtClean="0">
+                <a:ln>
+                  <a:noFill/>
+                </a:ln>
+                <a:solidFill>
+                  <a:schemeClr val="tx1"/>
+                </a:solidFill>
+                <a:effectLst/>
+                <a:latin typeface="Arial" panose="020B0604020202020204" pitchFamily="34" charset="0"/>
+              </a:rPr>
+              <a:t> atelier </a:t>
+            </a:r>
+            <a:r>
+              <a:rPr kumimoji="0" lang="fr-FR" altLang="en-US" sz="2000" b="0" i="0" u="none" strike="noStrike" cap="none" normalizeH="0" baseline="0" dirty="0" smtClean="0">
+                <a:ln>
+                  <a:noFill/>
+                </a:ln>
+                <a:solidFill>
+                  <a:schemeClr val="tx1"/>
+                </a:solidFill>
+                <a:effectLst/>
+                <a:latin typeface="Arial" panose="020B0604020202020204" pitchFamily="34" charset="0"/>
+              </a:rPr>
+              <a:t>utilise </a:t>
+            </a:r>
+            <a:r>
+              <a:rPr kumimoji="0" lang="fr-FR" altLang="en-US" sz="2000" b="0" i="0" u="none" strike="noStrike" cap="none" normalizeH="0" baseline="0" dirty="0" smtClean="0">
+                <a:ln>
+                  <a:noFill/>
+                </a:ln>
+                <a:solidFill>
+                  <a:schemeClr val="tx1"/>
+                </a:solidFill>
+                <a:effectLst/>
+                <a:latin typeface="Arial" panose="020B0604020202020204" pitchFamily="34" charset="0"/>
+              </a:rPr>
+              <a:t>le fichier </a:t>
             </a:r>
             <a:r>
               <a:rPr kumimoji="0" lang="fr-FR" altLang="en-US" sz="2000" b="1" i="0" u="none" strike="noStrike" cap="none" normalizeH="0" baseline="0" dirty="0" smtClean="0">
@@ -4715,37 +4738,6 @@
               </a:rPr>
               <a:t> situé dans le dossier </a:t>
             </a:r>
-          </a:p>
-          <a:p>
-            <a:pPr marL="0" marR="0" lvl="0" indent="0" algn="l" defTabSz="914400" rtl="0" eaLnBrk="0" fontAlgn="base" latinLnBrk="0" hangingPunct="0">
-              <a:lnSpc>
-                <a:spcPct val="100000"/>
-              </a:lnSpc>
-              <a:spcBef>
-                <a:spcPct val="0"/>
-              </a:spcBef>
-              <a:spcAft>
-                <a:spcPct val="0"/>
-              </a:spcAft>
-              <a:buClrTx/>
-              <a:buSzTx/>
-              <a:buFontTx/>
-              <a:buNone/>
-              <a:tabLst/>
-            </a:pPr>
-            <a:r>
-              <a:rPr kumimoji="0" lang="fr-FR" altLang="en-US" sz="2000" b="1" i="0" u="none" strike="noStrike" cap="none" normalizeH="0" baseline="0" dirty="0" err="1" smtClean="0">
-                <a:ln>
-                  <a:noFill/>
-                </a:ln>
-                <a:solidFill>
-                  <a:schemeClr val="tx1"/>
-                </a:solidFill>
-                <a:effectLst/>
-                <a:latin typeface="Arial Unicode MS"/>
-              </a:rPr>
-              <a:t>resources</a:t>
-            </a:r>
             <a:r>
               <a:rPr kumimoji="0" lang="fr-FR" altLang="en-US" sz="2000" b="1" i="0" u="none" strike="noStrike" cap="none" normalizeH="0" baseline="0" dirty="0" smtClean="0">
                 <a:ln>
@@ -4755,73 +4747,27 @@
                   <a:schemeClr val="tx1"/>
                 </a:solidFill>
                 <a:effectLst/>
-                <a:latin typeface="Arial Unicode MS"/>
+                <a:latin typeface="Arial" panose="020B0604020202020204" pitchFamily="34" charset="0"/>
               </a:rPr>
-              <a:t>\</a:t>
-            </a:r>
-            <a:r>
-              <a:rPr kumimoji="0" lang="fr-FR" altLang="en-US" sz="2000" b="1" i="0" u="none" strike="noStrike" cap="none" normalizeH="0" baseline="0" dirty="0" err="1" smtClean="0">
-                <a:ln>
-                  <a:noFill/>
-                </a:ln>
-                <a:solidFill>
-                  <a:schemeClr val="tx1"/>
-                </a:solidFill>
-                <a:effectLst/>
+              <a:t>ressources\</a:t>
+            </a:r>
+            <a:r>
+              <a:rPr lang="fr-FR" altLang="en-US" sz="2000" b="1" dirty="0" err="1" smtClean="0">
                 <a:latin typeface="Arial Unicode MS"/>
               </a:rPr>
               <a:t>Drillthrough</a:t>
             </a:r>
             <a:r>
-              <a:rPr kumimoji="0" lang="fr-FR" altLang="en-US" sz="2000" b="0" i="0" u="none" strike="noStrike" cap="none" normalizeH="0" baseline="0" dirty="0" smtClean="0">
-                <a:ln>
-                  <a:noFill/>
-                </a:ln>
-                <a:solidFill>
-                  <a:schemeClr val="tx1"/>
-                </a:solidFill>
-                <a:effectLst/>
+              <a:rPr lang="fr-FR" altLang="en-US" sz="2000" b="1" dirty="0" smtClean="0">
                 <a:latin typeface="Arial Unicode MS"/>
               </a:rPr>
               <a:t> </a:t>
             </a:r>
             <a:r>
-              <a:rPr kumimoji="0" lang="fr-FR" altLang="en-US" sz="2000" b="1" i="0" u="none" strike="noStrike" cap="none" normalizeH="0" baseline="0" dirty="0" smtClean="0">
-                <a:ln>
-                  <a:noFill/>
-                </a:ln>
-                <a:solidFill>
-                  <a:schemeClr val="tx1"/>
-                </a:solidFill>
-                <a:effectLst/>
+              <a:rPr lang="fr-FR" altLang="en-US" sz="2000" b="1" dirty="0">
                 <a:latin typeface="Arial Unicode MS"/>
               </a:rPr>
-              <a:t>and </a:t>
-            </a:r>
-            <a:r>
-              <a:rPr kumimoji="0" lang="fr-FR" altLang="en-US" sz="2000" b="1" i="0" u="none" strike="noStrike" cap="none" normalizeH="0" baseline="0" dirty="0" err="1" smtClean="0">
-                <a:ln>
-                  <a:noFill/>
-                </a:ln>
-                <a:solidFill>
-                  <a:schemeClr val="tx1"/>
-                </a:solidFill>
-                <a:effectLst/>
-                <a:latin typeface="Arial Unicode MS"/>
-              </a:rPr>
-              <a:t>Filter</a:t>
-            </a:r>
-            <a:r>
-              <a:rPr kumimoji="0" lang="fr-FR" altLang="en-US" sz="2000" b="1" i="0" u="none" strike="noStrike" cap="none" normalizeH="0" baseline="0" dirty="0" smtClean="0">
-                <a:ln>
-                  <a:noFill/>
-                </a:ln>
-                <a:solidFill>
-                  <a:schemeClr val="tx1"/>
-                </a:solidFill>
-                <a:effectLst/>
-              </a:rPr>
-              <a:t> </a:t>
+              <a:t>et Filtres</a:t>
             </a:r>
             <a:endParaRPr kumimoji="0" lang="fr-FR" altLang="en-US" sz="2000" b="1" i="0" u="none" strike="noStrike" cap="none" normalizeH="0" baseline="0" dirty="0" smtClean="0">
               <a:ln>
@@ -4912,7 +4858,7 @@
               <a:tabLst/>
             </a:pPr>
             <a:r>
-              <a:rPr kumimoji="0" lang="fr-FR" altLang="en-US" sz="2000" b="1" i="0" u="none" strike="noStrike" cap="none" normalizeH="0" baseline="0" dirty="0" smtClean="0">
+              <a:rPr kumimoji="0" lang="fr-FR" altLang="en-US" sz="2000" i="0" u="none" strike="noStrike" cap="none" normalizeH="0" baseline="0" dirty="0" smtClean="0">
                 <a:ln>
                   <a:noFill/>
                 </a:ln>
@@ -5183,7 +5129,7 @@
               <a:tabLst/>
             </a:pPr>
             <a:r>
-              <a:rPr kumimoji="0" lang="en-US" altLang="en-US" sz="2000" b="1" i="0" u="none" strike="noStrike" cap="none" normalizeH="0" baseline="0" smtClean="0">
+              <a:rPr kumimoji="0" lang="fr-FR" altLang="en-US" sz="2000" b="1" i="0" u="none" strike="noStrike" cap="none" normalizeH="0" baseline="0" dirty="0" smtClean="0">
                 <a:ln>
                   <a:noFill/>
                 </a:ln>
@@ -5196,7 +5142,7 @@
               <a:t>Vérifiez</a:t>
             </a:r>
             <a:r>
-              <a:rPr kumimoji="0" lang="en-US" altLang="en-US" sz="2000" b="0" i="0" u="none" strike="noStrike" cap="none" normalizeH="0" baseline="0" smtClean="0">
+              <a:rPr kumimoji="0" lang="fr-FR" altLang="en-US" sz="2000" b="0" i="0" u="none" strike="noStrike" cap="none" normalizeH="0" baseline="0" dirty="0" smtClean="0">
                 <a:ln>
                   <a:noFill/>
                 </a:ln>
@@ -5209,7 +5155,7 @@
               <a:t> que la </a:t>
             </a:r>
             <a:r>
-              <a:rPr kumimoji="0" lang="en-US" altLang="en-US" sz="2000" b="1" i="0" u="none" strike="noStrike" cap="none" normalizeH="0" baseline="0" smtClean="0">
+              <a:rPr kumimoji="0" lang="fr-FR" altLang="en-US" sz="2000" b="1" i="0" u="none" strike="noStrike" cap="none" normalizeH="0" baseline="0" dirty="0" smtClean="0">
                 <a:ln>
                   <a:noFill/>
                 </a:ln>
@@ -5222,7 +5168,7 @@
               <a:t>relation entre </a:t>
             </a:r>
             <a:r>
-              <a:rPr kumimoji="0" lang="en-US" altLang="en-US" sz="2000" b="1" i="0" u="none" strike="noStrike" cap="none" normalizeH="0" baseline="0" smtClean="0">
+              <a:rPr kumimoji="0" lang="fr-FR" altLang="en-US" sz="2000" b="1" i="0" u="none" strike="noStrike" cap="none" normalizeH="0" baseline="0" dirty="0" smtClean="0">
                 <a:ln>
                   <a:noFill/>
                 </a:ln>
@@ -5235,7 +5181,7 @@
               <a:t>continent</a:t>
             </a:r>
             <a:r>
-              <a:rPr kumimoji="0" lang="en-US" altLang="en-US" sz="2000" b="1" i="0" u="none" strike="noStrike" cap="none" normalizeH="0" baseline="0" smtClean="0">
+              <a:rPr kumimoji="0" lang="fr-FR" altLang="en-US" sz="2000" b="1" i="0" u="none" strike="noStrike" cap="none" normalizeH="0" baseline="0" dirty="0" smtClean="0">
                 <a:ln>
                   <a:noFill/>
                 </a:ln>
@@ -5247,7 +5193,7 @@
               <a:t> et </a:t>
             </a:r>
             <a:r>
-              <a:rPr kumimoji="0" lang="en-US" altLang="en-US" sz="2000" b="1" i="0" u="none" strike="noStrike" cap="none" normalizeH="0" baseline="0" smtClean="0">
+              <a:rPr kumimoji="0" lang="fr-FR" altLang="en-US" sz="2000" b="1" i="0" u="none" strike="noStrike" cap="none" normalizeH="0" baseline="0" dirty="0" err="1" smtClean="0">
                 <a:ln>
                   <a:noFill/>
                 </a:ln>
@@ -5257,10 +5203,23 @@
                 <a:effectLst/>
                 <a:latin typeface="Arial Unicode MS"/>
               </a:rPr>
-              <a:t>gdp 2018</a:t>
-            </a:r>
-            <a:r>
-              <a:rPr kumimoji="0" lang="en-US" altLang="en-US" sz="2000" b="0" i="0" u="none" strike="noStrike" cap="none" normalizeH="0" baseline="0" smtClean="0">
+              <a:t>gdp</a:t>
+            </a:r>
+            <a:r>
+              <a:rPr kumimoji="0" lang="fr-FR" altLang="en-US" sz="2000" b="1" i="0" u="none" strike="noStrike" cap="none" normalizeH="0" baseline="0" dirty="0" smtClean="0">
+                <a:ln>
+                  <a:noFill/>
+                </a:ln>
+                <a:solidFill>
+                  <a:schemeClr val="tx1"/>
+                </a:solidFill>
+                <a:effectLst/>
+                <a:latin typeface="Arial Unicode MS"/>
+              </a:rPr>
+              <a:t> 2018</a:t>
+            </a:r>
+            <a:r>
+              <a:rPr kumimoji="0" lang="fr-FR" altLang="en-US" sz="2000" b="0" i="0" u="none" strike="noStrike" cap="none" normalizeH="0" baseline="0" dirty="0" smtClean="0">
                 <a:ln>
                   <a:noFill/>
                 </a:ln>
@@ -5271,7 +5230,7 @@
               </a:rPr>
               <a:t> est bien établie. </a:t>
             </a:r>
-            <a:endParaRPr kumimoji="0" lang="en-US" altLang="en-US" sz="2000" b="0" i="0" u="none" strike="noStrike" cap="none" normalizeH="0" baseline="0" smtClean="0">
+            <a:endParaRPr kumimoji="0" lang="fr-FR" altLang="en-US" sz="2000" b="0" i="0" u="none" strike="noStrike" cap="none" normalizeH="0" baseline="0" dirty="0" smtClean="0">
               <a:ln>
                 <a:noFill/>
               </a:ln>
@@ -5429,7 +5388,7 @@
         <p:spPr>
           <a:xfrm>
             <a:off x="491055" y="1205438"/>
-            <a:ext cx="4012380" cy="400110"/>
+            <a:ext cx="3666132" cy="400110"/>
           </a:xfrm>
           <a:prstGeom prst="rect">
             <a:avLst/>
@@ -5447,7 +5406,15 @@
             </a:r>
             <a:r>
               <a:rPr lang="fr-FR" sz="2000" dirty="0"/>
-              <a:t> les deux pages du rapport :</a:t>
+              <a:t> </a:t>
+            </a:r>
+            <a:r>
+              <a:rPr lang="fr-FR" sz="2000" dirty="0" smtClean="0"/>
+              <a:t>deux </a:t>
+            </a:r>
+            <a:r>
+              <a:rPr lang="fr-FR" sz="2000" dirty="0"/>
+              <a:t>pages du rapport :</a:t>
             </a:r>
             <a:endParaRPr lang="en-US" sz="2000" dirty="0"/>
           </a:p>
@@ -5529,7 +5496,7 @@
               <a:tabLst/>
             </a:pPr>
             <a:r>
-              <a:rPr kumimoji="0" lang="en-US" altLang="en-US" i="0" u="none" strike="noStrike" cap="none" normalizeH="0" baseline="0" smtClean="0">
+              <a:rPr kumimoji="0" lang="en-US" altLang="en-US" i="0" u="none" strike="noStrike" cap="none" normalizeH="0" baseline="0" dirty="0" smtClean="0">
                 <a:ln>
                   <a:noFill/>
                 </a:ln>
@@ -5560,7 +5527,7 @@
               <a:tabLst/>
             </a:pPr>
             <a:r>
-              <a:rPr kumimoji="0" lang="en-US" altLang="en-US" i="0" u="none" strike="noStrike" cap="none" normalizeH="0" baseline="0" smtClean="0">
+              <a:rPr kumimoji="0" lang="en-US" altLang="en-US" i="0" u="none" strike="noStrike" cap="none" normalizeH="0" baseline="0" dirty="0" smtClean="0">
                 <a:ln>
                   <a:noFill/>
                 </a:ln>
@@ -6112,14 +6079,7 @@
                 <a:latin typeface="Segoe UI" panose="020B0502040204020203" pitchFamily="34" charset="0"/>
                 <a:ea typeface="Calibri" panose="020F0502020204030204" pitchFamily="34" charset="0"/>
               </a:rPr>
-              <a:t>vers la propriété</a:t>
-            </a:r>
-            <a:r>
-              <a:rPr lang="fr-FR" dirty="0" smtClean="0">
-                <a:latin typeface="Segoe UI" panose="020B0502040204020203" pitchFamily="34" charset="0"/>
-                <a:ea typeface="Calibri" panose="020F0502020204030204" pitchFamily="34" charset="0"/>
-              </a:rPr>
-              <a:t> </a:t>
+              <a:t>vers la propriété </a:t>
             </a:r>
             <a:r>
               <a:rPr lang="fr-FR" b="1" dirty="0" smtClean="0">
@@ -6668,15 +6628,7 @@
                 <a:ea typeface="Calibri" panose="020F0502020204030204" pitchFamily="34" charset="0"/>
                 <a:cs typeface="Times New Roman" panose="02020603050405020304" pitchFamily="18" charset="0"/>
               </a:rPr>
-              <a:t>page </a:t>
-            </a:r>
-            <a:r>
-              <a:rPr lang="en-US" dirty="0" smtClean="0">
-                <a:latin typeface="Segoe UI" panose="020B0502040204020203" pitchFamily="34" charset="0"/>
-                <a:ea typeface="Calibri" panose="020F0502020204030204" pitchFamily="34" charset="0"/>
-                <a:cs typeface="Times New Roman" panose="02020603050405020304" pitchFamily="18" charset="0"/>
-              </a:rPr>
-              <a:t>level</a:t>
+              <a:t>page level</a:t>
             </a:r>
             <a:r>
               <a:rPr lang="en-US" b="1" dirty="0" smtClean="0">
@@ -6916,15 +6868,7 @@
                 <a:ea typeface="Calibri" panose="020F0502020204030204" pitchFamily="34" charset="0"/>
                 <a:cs typeface="Times New Roman" panose="02020603050405020304" pitchFamily="18" charset="0"/>
               </a:rPr>
-              <a:t> la presence du </a:t>
-            </a:r>
-            <a:r>
-              <a:rPr lang="en-US" dirty="0" smtClean="0">
-                <a:latin typeface="Segoe UI" panose="020B0502040204020203" pitchFamily="34" charset="0"/>
-                <a:ea typeface="Calibri" panose="020F0502020204030204" pitchFamily="34" charset="0"/>
-                <a:cs typeface="Times New Roman" panose="02020603050405020304" pitchFamily="18" charset="0"/>
-              </a:rPr>
-              <a:t>menu </a:t>
+              <a:t> la presence du menu </a:t>
             </a:r>
             <a:r>
               <a:rPr lang="en-US" b="1" dirty="0" err="1" smtClean="0">
